--- a/Lectures/Lecture 6/270lec6.pptx
+++ b/Lectures/Lecture 6/270lec6.pptx
@@ -119,6 +119,11 @@
       </a:defRPr>
     </a:lvl9pPr>
   </p:defaultTextStyle>
+  <p:extLst>
+    <p:ext uri="{EFAFB233-063F-42B5-8137-9DF3F51BA10A}">
+      <p15:sldGuideLst xmlns:p15="http://schemas.microsoft.com/office/powerpoint/2012/main"/>
+    </p:ext>
+  </p:extLst>
 </p:presentation>
 </file>
 
@@ -3996,7 +4001,6 @@
               <a:rPr lang="en-US" dirty="0"/>
               <a:t>fork is a personal copy of another user's repository that lives on your account. Forks allow you to freely make changes to a project without affecting the original. Forks remain attached to the original, allowing you to submit a pull request to the original's author to update with your changes. You can also keep your fork up to date by pulling in updates from the original.</a:t>
             </a:r>
-            <a:endParaRPr lang="en-US" dirty="0"/>
           </a:p>
         </p:txBody>
       </p:sp>
@@ -4141,7 +4145,6 @@
               <a:rPr lang="en-US" dirty="0"/>
               <a:t>it creates a unique ID (a.k.a. the "SHA" or "hash") that allows you to keep record of what changes were made when and by who. Commits usually contain a commit message which is a brief description of what changes were made.</a:t>
             </a:r>
-            <a:endParaRPr lang="en-US" dirty="0"/>
           </a:p>
         </p:txBody>
       </p:sp>
@@ -4267,11 +4270,7 @@
             </a:r>
             <a:r>
               <a:rPr lang="en-US" dirty="0"/>
-              <a:t>requests are proposed changes to a repository submitted by a user and accepted or rejected by a repository's collaborators. </a:t>
-            </a:r>
-            <a:r>
-              <a:rPr lang="en-US" dirty="0"/>
-              <a:t>P</a:t>
+              <a:t>requests are proposed changes to a repository submitted by a user and accepted or rejected by a repository's collaborators. P</a:t>
             </a:r>
             <a:r>
               <a:rPr lang="en-US" dirty="0" smtClean="0"/>
@@ -4310,7 +4309,6 @@
               <a:rPr lang="en-US" dirty="0"/>
               <a:t>takes the changes from one branch (in the same repository or from a fork), and applies them into another. This often happens as a pull request (which can be thought of as a request to merge), or via the command line. A merge can be done automatically via a pull request via the GitHub web interface if there are no conflicting changes, or can always be done via the command line.</a:t>
             </a:r>
-            <a:endParaRPr lang="en-US" dirty="0"/>
           </a:p>
         </p:txBody>
       </p:sp>
@@ -5592,14 +5590,51 @@
         </p:nvSpPr>
         <p:spPr/>
         <p:txBody>
-          <a:bodyPr/>
+          <a:bodyPr>
+            <a:normAutofit/>
+          </a:bodyPr>
           <a:lstStyle/>
           <a:p>
             <a:r>
               <a:rPr lang="en-US" dirty="0" smtClean="0"/>
-              <a:t>GitHub Glossary</a:t>
-            </a:r>
-            <a:endParaRPr lang="en-US" dirty="0"/>
+              <a:t>GitHub </a:t>
+            </a:r>
+            <a:r>
+              <a:rPr lang="en-US"/>
+              <a:t>Glossary </a:t>
+            </a:r>
+            <a:r>
+              <a:rPr lang="en-US" smtClean="0"/>
+              <a:t/>
+            </a:r>
+            <a:br>
+              <a:rPr lang="en-US" smtClean="0"/>
+            </a:br>
+            <a:r>
+              <a:rPr lang="en-US" sz="2200" smtClean="0"/>
+              <a:t>https</a:t>
+            </a:r>
+            <a:r>
+              <a:rPr lang="en-US" sz="2200" dirty="0"/>
+              <a:t>://</a:t>
+            </a:r>
+            <a:r>
+              <a:rPr lang="en-US" sz="2200" dirty="0" err="1"/>
+              <a:t>help.github.com</a:t>
+            </a:r>
+            <a:r>
+              <a:rPr lang="en-US" sz="2200" dirty="0"/>
+              <a:t>/articles/</a:t>
+            </a:r>
+            <a:r>
+              <a:rPr lang="en-US" sz="2200" dirty="0" err="1"/>
+              <a:t>github</a:t>
+            </a:r>
+            <a:r>
+              <a:rPr lang="en-US" sz="2200" dirty="0"/>
+              <a:t>-glossary/</a:t>
+            </a:r>
+            <a:endParaRPr lang="en-US" sz="2200" dirty="0"/>
           </a:p>
         </p:txBody>
       </p:sp>
